--- a/pdf2pptx.pptx
+++ b/pdf2pptx.pptx
@@ -9,9 +9,11 @@
     <p:sldId id="257" r:id="rId3"/>
     <p:sldId id="258" r:id="rId4"/>
     <p:sldId id="259" r:id="rId5"/>
+    <p:sldId id="260" r:id="rId6"/>
+    <p:sldId id="261" r:id="rId7"/>
   </p:sldIdLst>
   <p:notesMasterIdLst>
-    <p:notesMasterId r:id="rId10"/>
+    <p:notesMasterId r:id="rId12"/>
   </p:notesMasterIdLst>
   <p:sldSz cx="9144000" cy="6858000" type="screen4x3"/>
   <p:notesSz cx="6858000" cy="9144000"/>
@@ -794,6 +796,182 @@
             <a:fld id="{F7021451-1387-4CA6-816F-3879F97B5CBC}" type="slidenum">
               <a:rPr lang="en-US" smtClean="0"/>
               <a:t>4</a:t>
+            </a:fld>
+            <a:endParaRPr lang="en-US"/>
+          </a:p>
+        </p:txBody>
+      </p:sp>
+    </p:spTree>
+    <p:extLst>
+      <p:ext uri="{BB962C8B-B14F-4D97-AF65-F5344CB8AC3E}">
+        <p14:creationId xmlns:p14="http://schemas.microsoft.com/office/powerpoint/2010/main" val="1024086991"/>
+      </p:ext>
+    </p:extLst>
+  </p:cSld>
+  <p:clrMapOvr>
+    <a:masterClrMapping/>
+  </p:clrMapOvr>
+</p:notes>
+</file>
+
+<file path=ppt/notesSlides/notesSlide5.xml><?xml version="1.0" encoding="utf-8"?>
+<p:notes xmlns:a="http://schemas.openxmlformats.org/drawingml/2006/main" xmlns:r="http://schemas.openxmlformats.org/officeDocument/2006/relationships" xmlns:p="http://schemas.openxmlformats.org/presentationml/2006/main">
+  <p:cSld>
+    <p:spTree>
+      <p:nvGrpSpPr>
+        <p:cNvPr id="1" name=""/>
+        <p:cNvGrpSpPr/>
+        <p:nvPr/>
+      </p:nvGrpSpPr>
+      <p:grpSpPr>
+        <a:xfrm>
+          <a:off x="0" y="0"/>
+          <a:ext cx="0" cy="0"/>
+          <a:chOff x="0" y="0"/>
+          <a:chExt cx="0" cy="0"/>
+        </a:xfrm>
+      </p:grpSpPr>
+      <p:sp>
+        <p:nvSpPr>
+          <p:cNvPr id="2" name="Slide Image Placeholder 1"/>
+          <p:cNvSpPr>
+            <a:spLocks noGrp="1" noRot="1" noChangeAspect="1"/>
+          </p:cNvSpPr>
+          <p:nvPr>
+            <p:ph type="sldImg"/>
+          </p:nvPr>
+        </p:nvSpPr>
+        <p:spPr/>
+      </p:sp>
+      <p:sp>
+        <p:nvSpPr>
+          <p:cNvPr id="3" name="Notes Placeholder 2"/>
+          <p:cNvSpPr>
+            <a:spLocks noGrp="1"/>
+          </p:cNvSpPr>
+          <p:nvPr>
+            <p:ph type="body" idx="1"/>
+          </p:nvPr>
+        </p:nvSpPr>
+        <p:spPr/>
+        <p:txBody>
+          <a:bodyPr/>
+          <a:lstStyle/>
+          <a:p>
+            <a:r>
+              <a:rPr lang="en-US" dirty="0" smtClean="0"/>
+              <a:t/>
+            </a:r>
+            <a:endParaRPr lang="en-US" dirty="0"/>
+          </a:p>
+        </p:txBody>
+      </p:sp>
+      <p:sp>
+        <p:nvSpPr>
+          <p:cNvPr id="4" name="Slide Number Placeholder 3"/>
+          <p:cNvSpPr>
+            <a:spLocks noGrp="1"/>
+          </p:cNvSpPr>
+          <p:nvPr>
+            <p:ph type="sldNum" sz="quarter" idx="10"/>
+          </p:nvPr>
+        </p:nvSpPr>
+        <p:spPr/>
+        <p:txBody>
+          <a:bodyPr/>
+          <a:lstStyle/>
+          <a:p>
+            <a:fld id="{F7021451-1387-4CA6-816F-3879F97B5CBC}" type="slidenum">
+              <a:rPr lang="en-US" smtClean="0"/>
+              <a:t>5</a:t>
+            </a:fld>
+            <a:endParaRPr lang="en-US"/>
+          </a:p>
+        </p:txBody>
+      </p:sp>
+    </p:spTree>
+    <p:extLst>
+      <p:ext uri="{BB962C8B-B14F-4D97-AF65-F5344CB8AC3E}">
+        <p14:creationId xmlns:p14="http://schemas.microsoft.com/office/powerpoint/2010/main" val="1024086991"/>
+      </p:ext>
+    </p:extLst>
+  </p:cSld>
+  <p:clrMapOvr>
+    <a:masterClrMapping/>
+  </p:clrMapOvr>
+</p:notes>
+</file>
+
+<file path=ppt/notesSlides/notesSlide6.xml><?xml version="1.0" encoding="utf-8"?>
+<p:notes xmlns:a="http://schemas.openxmlformats.org/drawingml/2006/main" xmlns:r="http://schemas.openxmlformats.org/officeDocument/2006/relationships" xmlns:p="http://schemas.openxmlformats.org/presentationml/2006/main">
+  <p:cSld>
+    <p:spTree>
+      <p:nvGrpSpPr>
+        <p:cNvPr id="1" name=""/>
+        <p:cNvGrpSpPr/>
+        <p:nvPr/>
+      </p:nvGrpSpPr>
+      <p:grpSpPr>
+        <a:xfrm>
+          <a:off x="0" y="0"/>
+          <a:ext cx="0" cy="0"/>
+          <a:chOff x="0" y="0"/>
+          <a:chExt cx="0" cy="0"/>
+        </a:xfrm>
+      </p:grpSpPr>
+      <p:sp>
+        <p:nvSpPr>
+          <p:cNvPr id="2" name="Slide Image Placeholder 1"/>
+          <p:cNvSpPr>
+            <a:spLocks noGrp="1" noRot="1" noChangeAspect="1"/>
+          </p:cNvSpPr>
+          <p:nvPr>
+            <p:ph type="sldImg"/>
+          </p:nvPr>
+        </p:nvSpPr>
+        <p:spPr/>
+      </p:sp>
+      <p:sp>
+        <p:nvSpPr>
+          <p:cNvPr id="3" name="Notes Placeholder 2"/>
+          <p:cNvSpPr>
+            <a:spLocks noGrp="1"/>
+          </p:cNvSpPr>
+          <p:nvPr>
+            <p:ph type="body" idx="1"/>
+          </p:nvPr>
+        </p:nvSpPr>
+        <p:spPr/>
+        <p:txBody>
+          <a:bodyPr/>
+          <a:lstStyle/>
+          <a:p>
+            <a:r>
+              <a:rPr lang="en-US" dirty="0" smtClean="0"/>
+              <a:t/>
+            </a:r>
+            <a:endParaRPr lang="en-US" dirty="0"/>
+          </a:p>
+        </p:txBody>
+      </p:sp>
+      <p:sp>
+        <p:nvSpPr>
+          <p:cNvPr id="4" name="Slide Number Placeholder 3"/>
+          <p:cNvSpPr>
+            <a:spLocks noGrp="1"/>
+          </p:cNvSpPr>
+          <p:nvPr>
+            <p:ph type="sldNum" sz="quarter" idx="10"/>
+          </p:nvPr>
+        </p:nvSpPr>
+        <p:spPr/>
+        <p:txBody>
+          <a:bodyPr/>
+          <a:lstStyle/>
+          <a:p>
+            <a:fld id="{F7021451-1387-4CA6-816F-3879F97B5CBC}" type="slidenum">
+              <a:rPr lang="en-US" smtClean="0"/>
+              <a:t>6</a:t>
             </a:fld>
             <a:endParaRPr lang="en-US"/>
           </a:p>
@@ -1133,7 +1311,7 @@
       </p:grpSpPr>
       <p:pic>
         <p:nvPicPr>
-          <p:cNvPr id="2" name="Object 1" descr="./png/map_world_who_quality_mortality.png">    </p:cNvPr>
+          <p:cNvPr id="2" name="Object 1" descr="./png/map_both_incidence_asr_Breast.png">    </p:cNvPr>
           <p:cNvPicPr>
             <a:picLocks noChangeAspect="1"/>
           </p:cNvPicPr>
@@ -1147,8 +1325,8 @@
         </p:blipFill>
         <p:spPr>
           <a:xfrm>
-            <a:off x="0" y="1059003"/>
-            <a:ext cx="9144000" cy="4739993"/>
+            <a:off x="0" y="1056636"/>
+            <a:ext cx="9144000" cy="4744728"/>
           </a:xfrm>
           <a:prstGeom prst="rect">
             <a:avLst/>
@@ -1182,7 +1360,7 @@
       </p:grpSpPr>
       <p:pic>
         <p:nvPicPr>
-          <p:cNvPr id="2" name="Object 1" descr="./png/map_world_registrystatus_number.png">    </p:cNvPr>
+          <p:cNvPr id="2" name="Object 1" descr="./png/map_both_incidence_asr_Colorectum.png">    </p:cNvPr>
           <p:cNvPicPr>
             <a:picLocks noChangeAspect="1"/>
           </p:cNvPicPr>
@@ -1196,8 +1374,8 @@
         </p:blipFill>
         <p:spPr>
           <a:xfrm>
-            <a:off x="0" y="1059003"/>
-            <a:ext cx="9144000" cy="4739993"/>
+            <a:off x="0" y="1056636"/>
+            <a:ext cx="9144000" cy="4744728"/>
           </a:xfrm>
           <a:prstGeom prst="rect">
             <a:avLst/>
@@ -1231,7 +1409,7 @@
       </p:grpSpPr>
       <p:pic>
         <p:nvPicPr>
-          <p:cNvPr id="2" name="Object 1" descr="./png/map_africa_registrystatus_number.png">    </p:cNvPr>
+          <p:cNvPr id="2" name="Object 1" descr="./png/map_both_incidence_asr_Lung.png">    </p:cNvPr>
           <p:cNvPicPr>
             <a:picLocks noChangeAspect="1"/>
           </p:cNvPicPr>
@@ -1245,8 +1423,8 @@
         </p:blipFill>
         <p:spPr>
           <a:xfrm>
-            <a:off x="1626577" y="457200"/>
-            <a:ext cx="5890846" cy="5943600"/>
+            <a:off x="0" y="1056636"/>
+            <a:ext cx="9144000" cy="4744728"/>
           </a:xfrm>
           <a:prstGeom prst="rect">
             <a:avLst/>
@@ -1280,7 +1458,7 @@
       </p:grpSpPr>
       <p:pic>
         <p:nvPicPr>
-          <p:cNvPr id="2" name="Object 1" descr="./png/map_africa_who_quality_mortality.png">    </p:cNvPr>
+          <p:cNvPr id="2" name="Object 1" descr="./png/map_both_mortality_asr_Breast.png">    </p:cNvPr>
           <p:cNvPicPr>
             <a:picLocks noChangeAspect="1"/>
           </p:cNvPicPr>
@@ -1294,8 +1472,106 @@
         </p:blipFill>
         <p:spPr>
           <a:xfrm>
-            <a:off x="1626577" y="457200"/>
-            <a:ext cx="5890846" cy="5943600"/>
+            <a:off x="0" y="1056636"/>
+            <a:ext cx="9144000" cy="4744728"/>
+          </a:xfrm>
+          <a:prstGeom prst="rect">
+            <a:avLst/>
+          </a:prstGeom>
+        </p:spPr>
+      </p:pic>
+    </p:spTree>
+  </p:cSld>
+  <p:clrMapOvr>
+    <a:masterClrMapping/>
+  </p:clrMapOvr>
+</p:sld>
+</file>
+
+<file path=ppt/slides/slide5.xml><?xml version="1.0" encoding="utf-8"?>
+<p:sld xmlns:a="http://schemas.openxmlformats.org/drawingml/2006/main" xmlns:r="http://schemas.openxmlformats.org/officeDocument/2006/relationships" xmlns:p="http://schemas.openxmlformats.org/presentationml/2006/main">
+  <p:cSld name="Slide 5">
+    <p:spTree>
+      <p:nvGrpSpPr>
+        <p:cNvPr id="1" name=""/>
+        <p:cNvGrpSpPr/>
+        <p:nvPr/>
+      </p:nvGrpSpPr>
+      <p:grpSpPr>
+        <a:xfrm>
+          <a:off x="0" y="0"/>
+          <a:ext cx="0" cy="0"/>
+          <a:chOff x="0" y="0"/>
+          <a:chExt cx="0" cy="0"/>
+        </a:xfrm>
+      </p:grpSpPr>
+      <p:pic>
+        <p:nvPicPr>
+          <p:cNvPr id="2" name="Object 1" descr="./png/map_both_mortality_asr_Colorectum.png">    </p:cNvPr>
+          <p:cNvPicPr>
+            <a:picLocks noChangeAspect="1"/>
+          </p:cNvPicPr>
+          <p:nvPr/>
+        </p:nvPicPr>
+        <p:blipFill>
+          <a:blip r:embed="rId1" cstate="print"/>
+          <a:stretch>
+            <a:fillRect/>
+          </a:stretch>
+        </p:blipFill>
+        <p:spPr>
+          <a:xfrm>
+            <a:off x="0" y="1056636"/>
+            <a:ext cx="9144000" cy="4744728"/>
+          </a:xfrm>
+          <a:prstGeom prst="rect">
+            <a:avLst/>
+          </a:prstGeom>
+        </p:spPr>
+      </p:pic>
+    </p:spTree>
+  </p:cSld>
+  <p:clrMapOvr>
+    <a:masterClrMapping/>
+  </p:clrMapOvr>
+</p:sld>
+</file>
+
+<file path=ppt/slides/slide6.xml><?xml version="1.0" encoding="utf-8"?>
+<p:sld xmlns:a="http://schemas.openxmlformats.org/drawingml/2006/main" xmlns:r="http://schemas.openxmlformats.org/officeDocument/2006/relationships" xmlns:p="http://schemas.openxmlformats.org/presentationml/2006/main">
+  <p:cSld name="Slide 6">
+    <p:spTree>
+      <p:nvGrpSpPr>
+        <p:cNvPr id="1" name=""/>
+        <p:cNvGrpSpPr/>
+        <p:nvPr/>
+      </p:nvGrpSpPr>
+      <p:grpSpPr>
+        <a:xfrm>
+          <a:off x="0" y="0"/>
+          <a:ext cx="0" cy="0"/>
+          <a:chOff x="0" y="0"/>
+          <a:chExt cx="0" cy="0"/>
+        </a:xfrm>
+      </p:grpSpPr>
+      <p:pic>
+        <p:nvPicPr>
+          <p:cNvPr id="2" name="Object 1" descr="./png/map_both_mortality_asr_Lung.png">    </p:cNvPr>
+          <p:cNvPicPr>
+            <a:picLocks noChangeAspect="1"/>
+          </p:cNvPicPr>
+          <p:nvPr/>
+        </p:nvPicPr>
+        <p:blipFill>
+          <a:blip r:embed="rId1" cstate="print"/>
+          <a:stretch>
+            <a:fillRect/>
+          </a:stretch>
+        </p:blipFill>
+        <p:spPr>
+          <a:xfrm>
+            <a:off x="0" y="1056636"/>
+            <a:ext cx="9144000" cy="4744728"/>
           </a:xfrm>
           <a:prstGeom prst="rect">
             <a:avLst/>

--- a/pdf2pptx.pptx
+++ b/pdf2pptx.pptx
@@ -9,11 +9,9 @@
     <p:sldId id="257" r:id="rId3"/>
     <p:sldId id="258" r:id="rId4"/>
     <p:sldId id="259" r:id="rId5"/>
-    <p:sldId id="260" r:id="rId6"/>
-    <p:sldId id="261" r:id="rId7"/>
   </p:sldIdLst>
   <p:notesMasterIdLst>
-    <p:notesMasterId r:id="rId12"/>
+    <p:notesMasterId r:id="rId10"/>
   </p:notesMasterIdLst>
   <p:sldSz cx="9144000" cy="6858000" type="screen4x3"/>
   <p:notesSz cx="6858000" cy="9144000"/>
@@ -796,182 +794,6 @@
             <a:fld id="{F7021451-1387-4CA6-816F-3879F97B5CBC}" type="slidenum">
               <a:rPr lang="en-US" smtClean="0"/>
               <a:t>4</a:t>
-            </a:fld>
-            <a:endParaRPr lang="en-US"/>
-          </a:p>
-        </p:txBody>
-      </p:sp>
-    </p:spTree>
-    <p:extLst>
-      <p:ext uri="{BB962C8B-B14F-4D97-AF65-F5344CB8AC3E}">
-        <p14:creationId xmlns:p14="http://schemas.microsoft.com/office/powerpoint/2010/main" val="1024086991"/>
-      </p:ext>
-    </p:extLst>
-  </p:cSld>
-  <p:clrMapOvr>
-    <a:masterClrMapping/>
-  </p:clrMapOvr>
-</p:notes>
-</file>
-
-<file path=ppt/notesSlides/notesSlide5.xml><?xml version="1.0" encoding="utf-8"?>
-<p:notes xmlns:a="http://schemas.openxmlformats.org/drawingml/2006/main" xmlns:r="http://schemas.openxmlformats.org/officeDocument/2006/relationships" xmlns:p="http://schemas.openxmlformats.org/presentationml/2006/main">
-  <p:cSld>
-    <p:spTree>
-      <p:nvGrpSpPr>
-        <p:cNvPr id="1" name=""/>
-        <p:cNvGrpSpPr/>
-        <p:nvPr/>
-      </p:nvGrpSpPr>
-      <p:grpSpPr>
-        <a:xfrm>
-          <a:off x="0" y="0"/>
-          <a:ext cx="0" cy="0"/>
-          <a:chOff x="0" y="0"/>
-          <a:chExt cx="0" cy="0"/>
-        </a:xfrm>
-      </p:grpSpPr>
-      <p:sp>
-        <p:nvSpPr>
-          <p:cNvPr id="2" name="Slide Image Placeholder 1"/>
-          <p:cNvSpPr>
-            <a:spLocks noGrp="1" noRot="1" noChangeAspect="1"/>
-          </p:cNvSpPr>
-          <p:nvPr>
-            <p:ph type="sldImg"/>
-          </p:nvPr>
-        </p:nvSpPr>
-        <p:spPr/>
-      </p:sp>
-      <p:sp>
-        <p:nvSpPr>
-          <p:cNvPr id="3" name="Notes Placeholder 2"/>
-          <p:cNvSpPr>
-            <a:spLocks noGrp="1"/>
-          </p:cNvSpPr>
-          <p:nvPr>
-            <p:ph type="body" idx="1"/>
-          </p:nvPr>
-        </p:nvSpPr>
-        <p:spPr/>
-        <p:txBody>
-          <a:bodyPr/>
-          <a:lstStyle/>
-          <a:p>
-            <a:r>
-              <a:rPr lang="en-US" dirty="0" smtClean="0"/>
-              <a:t/>
-            </a:r>
-            <a:endParaRPr lang="en-US" dirty="0"/>
-          </a:p>
-        </p:txBody>
-      </p:sp>
-      <p:sp>
-        <p:nvSpPr>
-          <p:cNvPr id="4" name="Slide Number Placeholder 3"/>
-          <p:cNvSpPr>
-            <a:spLocks noGrp="1"/>
-          </p:cNvSpPr>
-          <p:nvPr>
-            <p:ph type="sldNum" sz="quarter" idx="10"/>
-          </p:nvPr>
-        </p:nvSpPr>
-        <p:spPr/>
-        <p:txBody>
-          <a:bodyPr/>
-          <a:lstStyle/>
-          <a:p>
-            <a:fld id="{F7021451-1387-4CA6-816F-3879F97B5CBC}" type="slidenum">
-              <a:rPr lang="en-US" smtClean="0"/>
-              <a:t>5</a:t>
-            </a:fld>
-            <a:endParaRPr lang="en-US"/>
-          </a:p>
-        </p:txBody>
-      </p:sp>
-    </p:spTree>
-    <p:extLst>
-      <p:ext uri="{BB962C8B-B14F-4D97-AF65-F5344CB8AC3E}">
-        <p14:creationId xmlns:p14="http://schemas.microsoft.com/office/powerpoint/2010/main" val="1024086991"/>
-      </p:ext>
-    </p:extLst>
-  </p:cSld>
-  <p:clrMapOvr>
-    <a:masterClrMapping/>
-  </p:clrMapOvr>
-</p:notes>
-</file>
-
-<file path=ppt/notesSlides/notesSlide6.xml><?xml version="1.0" encoding="utf-8"?>
-<p:notes xmlns:a="http://schemas.openxmlformats.org/drawingml/2006/main" xmlns:r="http://schemas.openxmlformats.org/officeDocument/2006/relationships" xmlns:p="http://schemas.openxmlformats.org/presentationml/2006/main">
-  <p:cSld>
-    <p:spTree>
-      <p:nvGrpSpPr>
-        <p:cNvPr id="1" name=""/>
-        <p:cNvGrpSpPr/>
-        <p:nvPr/>
-      </p:nvGrpSpPr>
-      <p:grpSpPr>
-        <a:xfrm>
-          <a:off x="0" y="0"/>
-          <a:ext cx="0" cy="0"/>
-          <a:chOff x="0" y="0"/>
-          <a:chExt cx="0" cy="0"/>
-        </a:xfrm>
-      </p:grpSpPr>
-      <p:sp>
-        <p:nvSpPr>
-          <p:cNvPr id="2" name="Slide Image Placeholder 1"/>
-          <p:cNvSpPr>
-            <a:spLocks noGrp="1" noRot="1" noChangeAspect="1"/>
-          </p:cNvSpPr>
-          <p:nvPr>
-            <p:ph type="sldImg"/>
-          </p:nvPr>
-        </p:nvSpPr>
-        <p:spPr/>
-      </p:sp>
-      <p:sp>
-        <p:nvSpPr>
-          <p:cNvPr id="3" name="Notes Placeholder 2"/>
-          <p:cNvSpPr>
-            <a:spLocks noGrp="1"/>
-          </p:cNvSpPr>
-          <p:nvPr>
-            <p:ph type="body" idx="1"/>
-          </p:nvPr>
-        </p:nvSpPr>
-        <p:spPr/>
-        <p:txBody>
-          <a:bodyPr/>
-          <a:lstStyle/>
-          <a:p>
-            <a:r>
-              <a:rPr lang="en-US" dirty="0" smtClean="0"/>
-              <a:t/>
-            </a:r>
-            <a:endParaRPr lang="en-US" dirty="0"/>
-          </a:p>
-        </p:txBody>
-      </p:sp>
-      <p:sp>
-        <p:nvSpPr>
-          <p:cNvPr id="4" name="Slide Number Placeholder 3"/>
-          <p:cNvSpPr>
-            <a:spLocks noGrp="1"/>
-          </p:cNvSpPr>
-          <p:nvPr>
-            <p:ph type="sldNum" sz="quarter" idx="10"/>
-          </p:nvPr>
-        </p:nvSpPr>
-        <p:spPr/>
-        <p:txBody>
-          <a:bodyPr/>
-          <a:lstStyle/>
-          <a:p>
-            <a:fld id="{F7021451-1387-4CA6-816F-3879F97B5CBC}" type="slidenum">
-              <a:rPr lang="en-US" smtClean="0"/>
-              <a:t>6</a:t>
             </a:fld>
             <a:endParaRPr lang="en-US"/>
           </a:p>
@@ -1311,7 +1133,7 @@
       </p:grpSpPr>
       <p:pic>
         <p:nvPicPr>
-          <p:cNvPr id="2" name="Object 1" descr="./png/map_both_incidence_asr_Breast.png">    </p:cNvPr>
+          <p:cNvPr id="2" name="Object 1" descr="./png/pie_liver_gallbladder_india_mortality.png">    </p:cNvPr>
           <p:cNvPicPr>
             <a:picLocks noChangeAspect="1"/>
           </p:cNvPicPr>
@@ -1325,8 +1147,8 @@
         </p:blipFill>
         <p:spPr>
           <a:xfrm>
-            <a:off x="0" y="1056636"/>
-            <a:ext cx="9144000" cy="4744728"/>
+            <a:off x="187606" y="457200"/>
+            <a:ext cx="8768788" cy="5943600"/>
           </a:xfrm>
           <a:prstGeom prst="rect">
             <a:avLst/>
@@ -1360,7 +1182,7 @@
       </p:grpSpPr>
       <p:pic>
         <p:nvPicPr>
-          <p:cNvPr id="2" name="Object 1" descr="./png/map_both_incidence_asr_Colorectum.png">    </p:cNvPr>
+          <p:cNvPr id="2" name="Object 1" descr="./png/pie_liver_gallbladder_World_mortality.png">    </p:cNvPr>
           <p:cNvPicPr>
             <a:picLocks noChangeAspect="1"/>
           </p:cNvPicPr>
@@ -1374,8 +1196,8 @@
         </p:blipFill>
         <p:spPr>
           <a:xfrm>
-            <a:off x="0" y="1056636"/>
-            <a:ext cx="9144000" cy="4744728"/>
+            <a:off x="187606" y="457200"/>
+            <a:ext cx="8768788" cy="5943600"/>
           </a:xfrm>
           <a:prstGeom prst="rect">
             <a:avLst/>
@@ -1409,7 +1231,7 @@
       </p:grpSpPr>
       <p:pic>
         <p:nvPicPr>
-          <p:cNvPr id="2" name="Object 1" descr="./png/map_both_incidence_asr_Lung.png">    </p:cNvPr>
+          <p:cNvPr id="2" name="Object 1" descr="./png/pie_liver_gallbladder_World_incidence.png">    </p:cNvPr>
           <p:cNvPicPr>
             <a:picLocks noChangeAspect="1"/>
           </p:cNvPicPr>
@@ -1423,8 +1245,8 @@
         </p:blipFill>
         <p:spPr>
           <a:xfrm>
-            <a:off x="0" y="1056636"/>
-            <a:ext cx="9144000" cy="4744728"/>
+            <a:off x="187606" y="457200"/>
+            <a:ext cx="8768788" cy="5943600"/>
           </a:xfrm>
           <a:prstGeom prst="rect">
             <a:avLst/>
@@ -1458,7 +1280,7 @@
       </p:grpSpPr>
       <p:pic>
         <p:nvPicPr>
-          <p:cNvPr id="2" name="Object 1" descr="./png/map_both_mortality_asr_Breast.png">    </p:cNvPr>
+          <p:cNvPr id="2" name="Object 1" descr="./png/pie_liver_gallbladder_india_incidence.png">    </p:cNvPr>
           <p:cNvPicPr>
             <a:picLocks noChangeAspect="1"/>
           </p:cNvPicPr>
@@ -1472,106 +1294,8 @@
         </p:blipFill>
         <p:spPr>
           <a:xfrm>
-            <a:off x="0" y="1056636"/>
-            <a:ext cx="9144000" cy="4744728"/>
-          </a:xfrm>
-          <a:prstGeom prst="rect">
-            <a:avLst/>
-          </a:prstGeom>
-        </p:spPr>
-      </p:pic>
-    </p:spTree>
-  </p:cSld>
-  <p:clrMapOvr>
-    <a:masterClrMapping/>
-  </p:clrMapOvr>
-</p:sld>
-</file>
-
-<file path=ppt/slides/slide5.xml><?xml version="1.0" encoding="utf-8"?>
-<p:sld xmlns:a="http://schemas.openxmlformats.org/drawingml/2006/main" xmlns:r="http://schemas.openxmlformats.org/officeDocument/2006/relationships" xmlns:p="http://schemas.openxmlformats.org/presentationml/2006/main">
-  <p:cSld name="Slide 5">
-    <p:spTree>
-      <p:nvGrpSpPr>
-        <p:cNvPr id="1" name=""/>
-        <p:cNvGrpSpPr/>
-        <p:nvPr/>
-      </p:nvGrpSpPr>
-      <p:grpSpPr>
-        <a:xfrm>
-          <a:off x="0" y="0"/>
-          <a:ext cx="0" cy="0"/>
-          <a:chOff x="0" y="0"/>
-          <a:chExt cx="0" cy="0"/>
-        </a:xfrm>
-      </p:grpSpPr>
-      <p:pic>
-        <p:nvPicPr>
-          <p:cNvPr id="2" name="Object 1" descr="./png/map_both_mortality_asr_Colorectum.png">    </p:cNvPr>
-          <p:cNvPicPr>
-            <a:picLocks noChangeAspect="1"/>
-          </p:cNvPicPr>
-          <p:nvPr/>
-        </p:nvPicPr>
-        <p:blipFill>
-          <a:blip r:embed="rId1" cstate="print"/>
-          <a:stretch>
-            <a:fillRect/>
-          </a:stretch>
-        </p:blipFill>
-        <p:spPr>
-          <a:xfrm>
-            <a:off x="0" y="1056636"/>
-            <a:ext cx="9144000" cy="4744728"/>
-          </a:xfrm>
-          <a:prstGeom prst="rect">
-            <a:avLst/>
-          </a:prstGeom>
-        </p:spPr>
-      </p:pic>
-    </p:spTree>
-  </p:cSld>
-  <p:clrMapOvr>
-    <a:masterClrMapping/>
-  </p:clrMapOvr>
-</p:sld>
-</file>
-
-<file path=ppt/slides/slide6.xml><?xml version="1.0" encoding="utf-8"?>
-<p:sld xmlns:a="http://schemas.openxmlformats.org/drawingml/2006/main" xmlns:r="http://schemas.openxmlformats.org/officeDocument/2006/relationships" xmlns:p="http://schemas.openxmlformats.org/presentationml/2006/main">
-  <p:cSld name="Slide 6">
-    <p:spTree>
-      <p:nvGrpSpPr>
-        <p:cNvPr id="1" name=""/>
-        <p:cNvGrpSpPr/>
-        <p:nvPr/>
-      </p:nvGrpSpPr>
-      <p:grpSpPr>
-        <a:xfrm>
-          <a:off x="0" y="0"/>
-          <a:ext cx="0" cy="0"/>
-          <a:chOff x="0" y="0"/>
-          <a:chExt cx="0" cy="0"/>
-        </a:xfrm>
-      </p:grpSpPr>
-      <p:pic>
-        <p:nvPicPr>
-          <p:cNvPr id="2" name="Object 1" descr="./png/map_both_mortality_asr_Lung.png">    </p:cNvPr>
-          <p:cNvPicPr>
-            <a:picLocks noChangeAspect="1"/>
-          </p:cNvPicPr>
-          <p:nvPr/>
-        </p:nvPicPr>
-        <p:blipFill>
-          <a:blip r:embed="rId1" cstate="print"/>
-          <a:stretch>
-            <a:fillRect/>
-          </a:stretch>
-        </p:blipFill>
-        <p:spPr>
-          <a:xfrm>
-            <a:off x="0" y="1056636"/>
-            <a:ext cx="9144000" cy="4744728"/>
+            <a:off x="187606" y="457200"/>
+            <a:ext cx="8768788" cy="5943600"/>
           </a:xfrm>
           <a:prstGeom prst="rect">
             <a:avLst/>
